--- a/lectures/2019-01-22 introduction/2019-01-22 introduction.pptx
+++ b/lectures/2019-01-22 introduction/2019-01-22 introduction.pptx
@@ -5,7 +5,7 @@
     <p:sldMasterId id="2147483660" r:id="rId1"/>
   </p:sldMasterIdLst>
   <p:notesMasterIdLst>
-    <p:notesMasterId r:id="rId16"/>
+    <p:notesMasterId r:id="rId17"/>
   </p:notesMasterIdLst>
   <p:sldIdLst>
     <p:sldId id="256" r:id="rId2"/>
@@ -21,7 +21,8 @@
     <p:sldId id="263" r:id="rId12"/>
     <p:sldId id="262" r:id="rId13"/>
     <p:sldId id="270" r:id="rId14"/>
-    <p:sldId id="271" r:id="rId15"/>
+    <p:sldId id="272" r:id="rId15"/>
+    <p:sldId id="271" r:id="rId16"/>
   </p:sldIdLst>
   <p:sldSz cx="12192000" cy="6858000"/>
   <p:notesSz cx="6858000" cy="9144000"/>
@@ -210,7 +211,7 @@
           <a:p>
             <a:fld id="{72D5C19B-83A8-4A25-B308-A328675A92FC}" type="datetimeFigureOut">
               <a:rPr lang="en-US" smtClean="0"/>
-              <a:t>1/20/2019</a:t>
+              <a:t>1/22/2019</a:t>
             </a:fld>
             <a:endParaRPr lang="en-US"/>
           </a:p>
@@ -700,7 +701,7 @@
           <a:p>
             <a:fld id="{5C169494-A7F3-4812-ADAA-B429089E3BC2}" type="datetimeFigureOut">
               <a:rPr lang="en-US" smtClean="0"/>
-              <a:t>1/20/2019</a:t>
+              <a:t>1/22/2019</a:t>
             </a:fld>
             <a:endParaRPr lang="en-US"/>
           </a:p>
@@ -870,7 +871,7 @@
           <a:p>
             <a:fld id="{5C169494-A7F3-4812-ADAA-B429089E3BC2}" type="datetimeFigureOut">
               <a:rPr lang="en-US" smtClean="0"/>
-              <a:t>1/20/2019</a:t>
+              <a:t>1/22/2019</a:t>
             </a:fld>
             <a:endParaRPr lang="en-US"/>
           </a:p>
@@ -1050,7 +1051,7 @@
           <a:p>
             <a:fld id="{5C169494-A7F3-4812-ADAA-B429089E3BC2}" type="datetimeFigureOut">
               <a:rPr lang="en-US" smtClean="0"/>
-              <a:t>1/20/2019</a:t>
+              <a:t>1/22/2019</a:t>
             </a:fld>
             <a:endParaRPr lang="en-US"/>
           </a:p>
@@ -1220,7 +1221,7 @@
           <a:p>
             <a:fld id="{5C169494-A7F3-4812-ADAA-B429089E3BC2}" type="datetimeFigureOut">
               <a:rPr lang="en-US" smtClean="0"/>
-              <a:t>1/20/2019</a:t>
+              <a:t>1/22/2019</a:t>
             </a:fld>
             <a:endParaRPr lang="en-US"/>
           </a:p>
@@ -1464,7 +1465,7 @@
           <a:p>
             <a:fld id="{5C169494-A7F3-4812-ADAA-B429089E3BC2}" type="datetimeFigureOut">
               <a:rPr lang="en-US" smtClean="0"/>
-              <a:t>1/20/2019</a:t>
+              <a:t>1/22/2019</a:t>
             </a:fld>
             <a:endParaRPr lang="en-US"/>
           </a:p>
@@ -1696,7 +1697,7 @@
           <a:p>
             <a:fld id="{5C169494-A7F3-4812-ADAA-B429089E3BC2}" type="datetimeFigureOut">
               <a:rPr lang="en-US" smtClean="0"/>
-              <a:t>1/20/2019</a:t>
+              <a:t>1/22/2019</a:t>
             </a:fld>
             <a:endParaRPr lang="en-US"/>
           </a:p>
@@ -2063,7 +2064,7 @@
           <a:p>
             <a:fld id="{5C169494-A7F3-4812-ADAA-B429089E3BC2}" type="datetimeFigureOut">
               <a:rPr lang="en-US" smtClean="0"/>
-              <a:t>1/20/2019</a:t>
+              <a:t>1/22/2019</a:t>
             </a:fld>
             <a:endParaRPr lang="en-US"/>
           </a:p>
@@ -2181,7 +2182,7 @@
           <a:p>
             <a:fld id="{5C169494-A7F3-4812-ADAA-B429089E3BC2}" type="datetimeFigureOut">
               <a:rPr lang="en-US" smtClean="0"/>
-              <a:t>1/20/2019</a:t>
+              <a:t>1/22/2019</a:t>
             </a:fld>
             <a:endParaRPr lang="en-US"/>
           </a:p>
@@ -2276,7 +2277,7 @@
           <a:p>
             <a:fld id="{5C169494-A7F3-4812-ADAA-B429089E3BC2}" type="datetimeFigureOut">
               <a:rPr lang="en-US" smtClean="0"/>
-              <a:t>1/20/2019</a:t>
+              <a:t>1/22/2019</a:t>
             </a:fld>
             <a:endParaRPr lang="en-US"/>
           </a:p>
@@ -2553,7 +2554,7 @@
           <a:p>
             <a:fld id="{5C169494-A7F3-4812-ADAA-B429089E3BC2}" type="datetimeFigureOut">
               <a:rPr lang="en-US" smtClean="0"/>
-              <a:t>1/20/2019</a:t>
+              <a:t>1/22/2019</a:t>
             </a:fld>
             <a:endParaRPr lang="en-US"/>
           </a:p>
@@ -2810,7 +2811,7 @@
           <a:p>
             <a:fld id="{5C169494-A7F3-4812-ADAA-B429089E3BC2}" type="datetimeFigureOut">
               <a:rPr lang="en-US" smtClean="0"/>
-              <a:t>1/20/2019</a:t>
+              <a:t>1/22/2019</a:t>
             </a:fld>
             <a:endParaRPr lang="en-US"/>
           </a:p>
@@ -3023,7 +3024,7 @@
           <a:p>
             <a:fld id="{5C169494-A7F3-4812-ADAA-B429089E3BC2}" type="datetimeFigureOut">
               <a:rPr lang="en-US" smtClean="0"/>
-              <a:t>1/20/2019</a:t>
+              <a:t>1/22/2019</a:t>
             </a:fld>
             <a:endParaRPr lang="en-US"/>
           </a:p>
@@ -3547,6 +3548,12 @@
               <a:t>See syllabus for examples of cheating.</a:t>
             </a:r>
           </a:p>
+          <a:p>
+            <a:r>
+              <a:rPr lang="en-US" dirty="0"/>
+              <a:t>I usually catch at least one cheater per semester.  Don’t let this be you!</a:t>
+            </a:r>
+          </a:p>
         </p:txBody>
       </p:sp>
     </p:spTree>
@@ -3559,6 +3566,222 @@
   <p:clrMapOvr>
     <a:masterClrMapping/>
   </p:clrMapOvr>
+  <p:timing>
+    <p:tnLst>
+      <p:par>
+        <p:cTn id="1" dur="indefinite" restart="never" nodeType="tmRoot">
+          <p:childTnLst>
+            <p:seq concurrent="1" nextAc="seek">
+              <p:cTn id="2" dur="indefinite" nodeType="mainSeq">
+                <p:childTnLst>
+                  <p:par>
+                    <p:cTn id="3" fill="hold">
+                      <p:stCondLst>
+                        <p:cond delay="indefinite"/>
+                      </p:stCondLst>
+                      <p:childTnLst>
+                        <p:par>
+                          <p:cTn id="4" fill="hold">
+                            <p:stCondLst>
+                              <p:cond delay="0"/>
+                            </p:stCondLst>
+                            <p:childTnLst>
+                              <p:par>
+                                <p:cTn id="5" presetID="10" presetClass="entr" presetSubtype="0" fill="hold" grpId="0" nodeType="clickEffect">
+                                  <p:stCondLst>
+                                    <p:cond delay="0"/>
+                                  </p:stCondLst>
+                                  <p:childTnLst>
+                                    <p:set>
+                                      <p:cBhvr>
+                                        <p:cTn id="6" dur="1" fill="hold">
+                                          <p:stCondLst>
+                                            <p:cond delay="0"/>
+                                          </p:stCondLst>
+                                        </p:cTn>
+                                        <p:tgtEl>
+                                          <p:spTgt spid="3">
+                                            <p:txEl>
+                                              <p:pRg st="0" end="0"/>
+                                            </p:txEl>
+                                          </p:spTgt>
+                                        </p:tgtEl>
+                                        <p:attrNameLst>
+                                          <p:attrName>style.visibility</p:attrName>
+                                        </p:attrNameLst>
+                                      </p:cBhvr>
+                                      <p:to>
+                                        <p:strVal val="visible"/>
+                                      </p:to>
+                                    </p:set>
+                                    <p:animEffect transition="in" filter="fade">
+                                      <p:cBhvr>
+                                        <p:cTn id="7" dur="500"/>
+                                        <p:tgtEl>
+                                          <p:spTgt spid="3">
+                                            <p:txEl>
+                                              <p:pRg st="0" end="0"/>
+                                            </p:txEl>
+                                          </p:spTgt>
+                                        </p:tgtEl>
+                                      </p:cBhvr>
+                                    </p:animEffect>
+                                  </p:childTnLst>
+                                </p:cTn>
+                              </p:par>
+                            </p:childTnLst>
+                          </p:cTn>
+                        </p:par>
+                      </p:childTnLst>
+                    </p:cTn>
+                  </p:par>
+                  <p:par>
+                    <p:cTn id="8" fill="hold">
+                      <p:stCondLst>
+                        <p:cond delay="indefinite"/>
+                      </p:stCondLst>
+                      <p:childTnLst>
+                        <p:par>
+                          <p:cTn id="9" fill="hold">
+                            <p:stCondLst>
+                              <p:cond delay="0"/>
+                            </p:stCondLst>
+                            <p:childTnLst>
+                              <p:par>
+                                <p:cTn id="10" presetID="10" presetClass="entr" presetSubtype="0" fill="hold" grpId="0" nodeType="clickEffect">
+                                  <p:stCondLst>
+                                    <p:cond delay="0"/>
+                                  </p:stCondLst>
+                                  <p:childTnLst>
+                                    <p:set>
+                                      <p:cBhvr>
+                                        <p:cTn id="11" dur="1" fill="hold">
+                                          <p:stCondLst>
+                                            <p:cond delay="0"/>
+                                          </p:stCondLst>
+                                        </p:cTn>
+                                        <p:tgtEl>
+                                          <p:spTgt spid="3">
+                                            <p:txEl>
+                                              <p:pRg st="1" end="1"/>
+                                            </p:txEl>
+                                          </p:spTgt>
+                                        </p:tgtEl>
+                                        <p:attrNameLst>
+                                          <p:attrName>style.visibility</p:attrName>
+                                        </p:attrNameLst>
+                                      </p:cBhvr>
+                                      <p:to>
+                                        <p:strVal val="visible"/>
+                                      </p:to>
+                                    </p:set>
+                                    <p:animEffect transition="in" filter="fade">
+                                      <p:cBhvr>
+                                        <p:cTn id="12" dur="500"/>
+                                        <p:tgtEl>
+                                          <p:spTgt spid="3">
+                                            <p:txEl>
+                                              <p:pRg st="1" end="1"/>
+                                            </p:txEl>
+                                          </p:spTgt>
+                                        </p:tgtEl>
+                                      </p:cBhvr>
+                                    </p:animEffect>
+                                  </p:childTnLst>
+                                </p:cTn>
+                              </p:par>
+                            </p:childTnLst>
+                          </p:cTn>
+                        </p:par>
+                      </p:childTnLst>
+                    </p:cTn>
+                  </p:par>
+                  <p:par>
+                    <p:cTn id="13" fill="hold">
+                      <p:stCondLst>
+                        <p:cond delay="indefinite"/>
+                      </p:stCondLst>
+                      <p:childTnLst>
+                        <p:par>
+                          <p:cTn id="14" fill="hold">
+                            <p:stCondLst>
+                              <p:cond delay="0"/>
+                            </p:stCondLst>
+                            <p:childTnLst>
+                              <p:par>
+                                <p:cTn id="15" presetID="10" presetClass="entr" presetSubtype="0" fill="hold" grpId="0" nodeType="clickEffect">
+                                  <p:stCondLst>
+                                    <p:cond delay="0"/>
+                                  </p:stCondLst>
+                                  <p:childTnLst>
+                                    <p:set>
+                                      <p:cBhvr>
+                                        <p:cTn id="16" dur="1" fill="hold">
+                                          <p:stCondLst>
+                                            <p:cond delay="0"/>
+                                          </p:stCondLst>
+                                        </p:cTn>
+                                        <p:tgtEl>
+                                          <p:spTgt spid="3">
+                                            <p:txEl>
+                                              <p:pRg st="2" end="2"/>
+                                            </p:txEl>
+                                          </p:spTgt>
+                                        </p:tgtEl>
+                                        <p:attrNameLst>
+                                          <p:attrName>style.visibility</p:attrName>
+                                        </p:attrNameLst>
+                                      </p:cBhvr>
+                                      <p:to>
+                                        <p:strVal val="visible"/>
+                                      </p:to>
+                                    </p:set>
+                                    <p:animEffect transition="in" filter="fade">
+                                      <p:cBhvr>
+                                        <p:cTn id="17" dur="500"/>
+                                        <p:tgtEl>
+                                          <p:spTgt spid="3">
+                                            <p:txEl>
+                                              <p:pRg st="2" end="2"/>
+                                            </p:txEl>
+                                          </p:spTgt>
+                                        </p:tgtEl>
+                                      </p:cBhvr>
+                                    </p:animEffect>
+                                  </p:childTnLst>
+                                </p:cTn>
+                              </p:par>
+                            </p:childTnLst>
+                          </p:cTn>
+                        </p:par>
+                      </p:childTnLst>
+                    </p:cTn>
+                  </p:par>
+                </p:childTnLst>
+              </p:cTn>
+              <p:prevCondLst>
+                <p:cond evt="onPrev" delay="0">
+                  <p:tgtEl>
+                    <p:sldTgt/>
+                  </p:tgtEl>
+                </p:cond>
+              </p:prevCondLst>
+              <p:nextCondLst>
+                <p:cond evt="onNext" delay="0">
+                  <p:tgtEl>
+                    <p:sldTgt/>
+                  </p:tgtEl>
+                </p:cond>
+              </p:nextCondLst>
+            </p:seq>
+          </p:childTnLst>
+        </p:cTn>
+      </p:par>
+    </p:tnLst>
+    <p:bldLst>
+      <p:bldP spid="3" grpId="0" build="p"/>
+    </p:bldLst>
+  </p:timing>
 </p:sld>
 </file>
 
@@ -3626,7 +3849,7 @@
             <a:pPr lvl="0"/>
             <a:r>
               <a:rPr lang="en-US" dirty="0"/>
-              <a:t>GitHub usage (5%)</a:t>
+              <a:t>!!GitHub usage (5%)!! </a:t>
             </a:r>
           </a:p>
           <a:p>
@@ -3669,6 +3892,405 @@
   <p:clrMapOvr>
     <a:masterClrMapping/>
   </p:clrMapOvr>
+  <p:timing>
+    <p:tnLst>
+      <p:par>
+        <p:cTn id="1" dur="indefinite" restart="never" nodeType="tmRoot">
+          <p:childTnLst>
+            <p:seq concurrent="1" nextAc="seek">
+              <p:cTn id="2" dur="indefinite" nodeType="mainSeq">
+                <p:childTnLst>
+                  <p:par>
+                    <p:cTn id="3" fill="hold">
+                      <p:stCondLst>
+                        <p:cond delay="indefinite"/>
+                      </p:stCondLst>
+                      <p:childTnLst>
+                        <p:par>
+                          <p:cTn id="4" fill="hold">
+                            <p:stCondLst>
+                              <p:cond delay="0"/>
+                            </p:stCondLst>
+                            <p:childTnLst>
+                              <p:par>
+                                <p:cTn id="5" presetID="10" presetClass="entr" presetSubtype="0" fill="hold" grpId="0" nodeType="clickEffect">
+                                  <p:stCondLst>
+                                    <p:cond delay="0"/>
+                                  </p:stCondLst>
+                                  <p:childTnLst>
+                                    <p:set>
+                                      <p:cBhvr>
+                                        <p:cTn id="6" dur="1" fill="hold">
+                                          <p:stCondLst>
+                                            <p:cond delay="0"/>
+                                          </p:stCondLst>
+                                        </p:cTn>
+                                        <p:tgtEl>
+                                          <p:spTgt spid="3">
+                                            <p:txEl>
+                                              <p:pRg st="0" end="0"/>
+                                            </p:txEl>
+                                          </p:spTgt>
+                                        </p:tgtEl>
+                                        <p:attrNameLst>
+                                          <p:attrName>style.visibility</p:attrName>
+                                        </p:attrNameLst>
+                                      </p:cBhvr>
+                                      <p:to>
+                                        <p:strVal val="visible"/>
+                                      </p:to>
+                                    </p:set>
+                                    <p:animEffect transition="in" filter="fade">
+                                      <p:cBhvr>
+                                        <p:cTn id="7" dur="500"/>
+                                        <p:tgtEl>
+                                          <p:spTgt spid="3">
+                                            <p:txEl>
+                                              <p:pRg st="0" end="0"/>
+                                            </p:txEl>
+                                          </p:spTgt>
+                                        </p:tgtEl>
+                                      </p:cBhvr>
+                                    </p:animEffect>
+                                  </p:childTnLst>
+                                </p:cTn>
+                              </p:par>
+                            </p:childTnLst>
+                          </p:cTn>
+                        </p:par>
+                      </p:childTnLst>
+                    </p:cTn>
+                  </p:par>
+                  <p:par>
+                    <p:cTn id="8" fill="hold">
+                      <p:stCondLst>
+                        <p:cond delay="indefinite"/>
+                      </p:stCondLst>
+                      <p:childTnLst>
+                        <p:par>
+                          <p:cTn id="9" fill="hold">
+                            <p:stCondLst>
+                              <p:cond delay="0"/>
+                            </p:stCondLst>
+                            <p:childTnLst>
+                              <p:par>
+                                <p:cTn id="10" presetID="10" presetClass="entr" presetSubtype="0" fill="hold" grpId="0" nodeType="clickEffect">
+                                  <p:stCondLst>
+                                    <p:cond delay="0"/>
+                                  </p:stCondLst>
+                                  <p:childTnLst>
+                                    <p:set>
+                                      <p:cBhvr>
+                                        <p:cTn id="11" dur="1" fill="hold">
+                                          <p:stCondLst>
+                                            <p:cond delay="0"/>
+                                          </p:stCondLst>
+                                        </p:cTn>
+                                        <p:tgtEl>
+                                          <p:spTgt spid="3">
+                                            <p:txEl>
+                                              <p:pRg st="1" end="1"/>
+                                            </p:txEl>
+                                          </p:spTgt>
+                                        </p:tgtEl>
+                                        <p:attrNameLst>
+                                          <p:attrName>style.visibility</p:attrName>
+                                        </p:attrNameLst>
+                                      </p:cBhvr>
+                                      <p:to>
+                                        <p:strVal val="visible"/>
+                                      </p:to>
+                                    </p:set>
+                                    <p:animEffect transition="in" filter="fade">
+                                      <p:cBhvr>
+                                        <p:cTn id="12" dur="500"/>
+                                        <p:tgtEl>
+                                          <p:spTgt spid="3">
+                                            <p:txEl>
+                                              <p:pRg st="1" end="1"/>
+                                            </p:txEl>
+                                          </p:spTgt>
+                                        </p:tgtEl>
+                                      </p:cBhvr>
+                                    </p:animEffect>
+                                  </p:childTnLst>
+                                </p:cTn>
+                              </p:par>
+                            </p:childTnLst>
+                          </p:cTn>
+                        </p:par>
+                      </p:childTnLst>
+                    </p:cTn>
+                  </p:par>
+                  <p:par>
+                    <p:cTn id="13" fill="hold">
+                      <p:stCondLst>
+                        <p:cond delay="indefinite"/>
+                      </p:stCondLst>
+                      <p:childTnLst>
+                        <p:par>
+                          <p:cTn id="14" fill="hold">
+                            <p:stCondLst>
+                              <p:cond delay="0"/>
+                            </p:stCondLst>
+                            <p:childTnLst>
+                              <p:par>
+                                <p:cTn id="15" presetID="10" presetClass="entr" presetSubtype="0" fill="hold" grpId="0" nodeType="clickEffect">
+                                  <p:stCondLst>
+                                    <p:cond delay="0"/>
+                                  </p:stCondLst>
+                                  <p:childTnLst>
+                                    <p:set>
+                                      <p:cBhvr>
+                                        <p:cTn id="16" dur="1" fill="hold">
+                                          <p:stCondLst>
+                                            <p:cond delay="0"/>
+                                          </p:stCondLst>
+                                        </p:cTn>
+                                        <p:tgtEl>
+                                          <p:spTgt spid="3">
+                                            <p:txEl>
+                                              <p:pRg st="2" end="2"/>
+                                            </p:txEl>
+                                          </p:spTgt>
+                                        </p:tgtEl>
+                                        <p:attrNameLst>
+                                          <p:attrName>style.visibility</p:attrName>
+                                        </p:attrNameLst>
+                                      </p:cBhvr>
+                                      <p:to>
+                                        <p:strVal val="visible"/>
+                                      </p:to>
+                                    </p:set>
+                                    <p:animEffect transition="in" filter="fade">
+                                      <p:cBhvr>
+                                        <p:cTn id="17" dur="500"/>
+                                        <p:tgtEl>
+                                          <p:spTgt spid="3">
+                                            <p:txEl>
+                                              <p:pRg st="2" end="2"/>
+                                            </p:txEl>
+                                          </p:spTgt>
+                                        </p:tgtEl>
+                                      </p:cBhvr>
+                                    </p:animEffect>
+                                  </p:childTnLst>
+                                </p:cTn>
+                              </p:par>
+                            </p:childTnLst>
+                          </p:cTn>
+                        </p:par>
+                      </p:childTnLst>
+                    </p:cTn>
+                  </p:par>
+                  <p:par>
+                    <p:cTn id="18" fill="hold">
+                      <p:stCondLst>
+                        <p:cond delay="indefinite"/>
+                      </p:stCondLst>
+                      <p:childTnLst>
+                        <p:par>
+                          <p:cTn id="19" fill="hold">
+                            <p:stCondLst>
+                              <p:cond delay="0"/>
+                            </p:stCondLst>
+                            <p:childTnLst>
+                              <p:par>
+                                <p:cTn id="20" presetID="10" presetClass="entr" presetSubtype="0" fill="hold" grpId="0" nodeType="clickEffect">
+                                  <p:stCondLst>
+                                    <p:cond delay="0"/>
+                                  </p:stCondLst>
+                                  <p:childTnLst>
+                                    <p:set>
+                                      <p:cBhvr>
+                                        <p:cTn id="21" dur="1" fill="hold">
+                                          <p:stCondLst>
+                                            <p:cond delay="0"/>
+                                          </p:stCondLst>
+                                        </p:cTn>
+                                        <p:tgtEl>
+                                          <p:spTgt spid="3">
+                                            <p:txEl>
+                                              <p:pRg st="3" end="3"/>
+                                            </p:txEl>
+                                          </p:spTgt>
+                                        </p:tgtEl>
+                                        <p:attrNameLst>
+                                          <p:attrName>style.visibility</p:attrName>
+                                        </p:attrNameLst>
+                                      </p:cBhvr>
+                                      <p:to>
+                                        <p:strVal val="visible"/>
+                                      </p:to>
+                                    </p:set>
+                                    <p:animEffect transition="in" filter="fade">
+                                      <p:cBhvr>
+                                        <p:cTn id="22" dur="500"/>
+                                        <p:tgtEl>
+                                          <p:spTgt spid="3">
+                                            <p:txEl>
+                                              <p:pRg st="3" end="3"/>
+                                            </p:txEl>
+                                          </p:spTgt>
+                                        </p:tgtEl>
+                                      </p:cBhvr>
+                                    </p:animEffect>
+                                  </p:childTnLst>
+                                </p:cTn>
+                              </p:par>
+                            </p:childTnLst>
+                          </p:cTn>
+                        </p:par>
+                      </p:childTnLst>
+                    </p:cTn>
+                  </p:par>
+                  <p:par>
+                    <p:cTn id="23" fill="hold">
+                      <p:stCondLst>
+                        <p:cond delay="indefinite"/>
+                      </p:stCondLst>
+                      <p:childTnLst>
+                        <p:par>
+                          <p:cTn id="24" fill="hold">
+                            <p:stCondLst>
+                              <p:cond delay="0"/>
+                            </p:stCondLst>
+                            <p:childTnLst>
+                              <p:par>
+                                <p:cTn id="25" presetID="10" presetClass="entr" presetSubtype="0" fill="hold" grpId="0" nodeType="clickEffect">
+                                  <p:stCondLst>
+                                    <p:cond delay="0"/>
+                                  </p:stCondLst>
+                                  <p:childTnLst>
+                                    <p:set>
+                                      <p:cBhvr>
+                                        <p:cTn id="26" dur="1" fill="hold">
+                                          <p:stCondLst>
+                                            <p:cond delay="0"/>
+                                          </p:stCondLst>
+                                        </p:cTn>
+                                        <p:tgtEl>
+                                          <p:spTgt spid="3">
+                                            <p:txEl>
+                                              <p:pRg st="4" end="4"/>
+                                            </p:txEl>
+                                          </p:spTgt>
+                                        </p:tgtEl>
+                                        <p:attrNameLst>
+                                          <p:attrName>style.visibility</p:attrName>
+                                        </p:attrNameLst>
+                                      </p:cBhvr>
+                                      <p:to>
+                                        <p:strVal val="visible"/>
+                                      </p:to>
+                                    </p:set>
+                                    <p:animEffect transition="in" filter="fade">
+                                      <p:cBhvr>
+                                        <p:cTn id="27" dur="500"/>
+                                        <p:tgtEl>
+                                          <p:spTgt spid="3">
+                                            <p:txEl>
+                                              <p:pRg st="4" end="4"/>
+                                            </p:txEl>
+                                          </p:spTgt>
+                                        </p:tgtEl>
+                                      </p:cBhvr>
+                                    </p:animEffect>
+                                  </p:childTnLst>
+                                </p:cTn>
+                              </p:par>
+                            </p:childTnLst>
+                          </p:cTn>
+                        </p:par>
+                      </p:childTnLst>
+                    </p:cTn>
+                  </p:par>
+                  <p:par>
+                    <p:cTn id="28" fill="hold">
+                      <p:stCondLst>
+                        <p:cond delay="indefinite"/>
+                      </p:stCondLst>
+                      <p:childTnLst>
+                        <p:par>
+                          <p:cTn id="29" fill="hold">
+                            <p:stCondLst>
+                              <p:cond delay="0"/>
+                            </p:stCondLst>
+                            <p:childTnLst>
+                              <p:par>
+                                <p:cTn id="30" presetID="10" presetClass="entr" presetSubtype="0" fill="hold" grpId="0" nodeType="clickEffect">
+                                  <p:stCondLst>
+                                    <p:cond delay="0"/>
+                                  </p:stCondLst>
+                                  <p:childTnLst>
+                                    <p:set>
+                                      <p:cBhvr>
+                                        <p:cTn id="31" dur="1" fill="hold">
+                                          <p:stCondLst>
+                                            <p:cond delay="0"/>
+                                          </p:stCondLst>
+                                        </p:cTn>
+                                        <p:tgtEl>
+                                          <p:spTgt spid="3">
+                                            <p:txEl>
+                                              <p:pRg st="5" end="5"/>
+                                            </p:txEl>
+                                          </p:spTgt>
+                                        </p:tgtEl>
+                                        <p:attrNameLst>
+                                          <p:attrName>style.visibility</p:attrName>
+                                        </p:attrNameLst>
+                                      </p:cBhvr>
+                                      <p:to>
+                                        <p:strVal val="visible"/>
+                                      </p:to>
+                                    </p:set>
+                                    <p:animEffect transition="in" filter="fade">
+                                      <p:cBhvr>
+                                        <p:cTn id="32" dur="500"/>
+                                        <p:tgtEl>
+                                          <p:spTgt spid="3">
+                                            <p:txEl>
+                                              <p:pRg st="5" end="5"/>
+                                            </p:txEl>
+                                          </p:spTgt>
+                                        </p:tgtEl>
+                                      </p:cBhvr>
+                                    </p:animEffect>
+                                  </p:childTnLst>
+                                </p:cTn>
+                              </p:par>
+                            </p:childTnLst>
+                          </p:cTn>
+                        </p:par>
+                      </p:childTnLst>
+                    </p:cTn>
+                  </p:par>
+                </p:childTnLst>
+              </p:cTn>
+              <p:prevCondLst>
+                <p:cond evt="onPrev" delay="0">
+                  <p:tgtEl>
+                    <p:sldTgt/>
+                  </p:tgtEl>
+                </p:cond>
+              </p:prevCondLst>
+              <p:nextCondLst>
+                <p:cond evt="onNext" delay="0">
+                  <p:tgtEl>
+                    <p:sldTgt/>
+                  </p:tgtEl>
+                </p:cond>
+              </p:nextCondLst>
+            </p:seq>
+          </p:childTnLst>
+        </p:cTn>
+      </p:par>
+    </p:tnLst>
+    <p:bldLst>
+      <p:bldP spid="3" grpId="0" build="p"/>
+    </p:bldLst>
+  </p:timing>
 </p:sld>
 </file>
 
@@ -4677,6 +5299,468 @@
           <p:cNvPr id="2" name="Title 1">
             <a:extLst>
               <a:ext uri="{FF2B5EF4-FFF2-40B4-BE49-F238E27FC236}">
+                <a16:creationId xmlns:a16="http://schemas.microsoft.com/office/drawing/2014/main" id="{DF41CF0A-DDC1-43D1-900F-03DE156E4A4A}"/>
+              </a:ext>
+            </a:extLst>
+          </p:cNvPr>
+          <p:cNvSpPr>
+            <a:spLocks noGrp="1"/>
+          </p:cNvSpPr>
+          <p:nvPr>
+            <p:ph type="title"/>
+          </p:nvPr>
+        </p:nvSpPr>
+        <p:spPr/>
+        <p:txBody>
+          <a:bodyPr/>
+          <a:lstStyle/>
+          <a:p>
+            <a:r>
+              <a:rPr lang="en-US" dirty="0"/>
+              <a:t>All course materials are posted on GitHub</a:t>
+            </a:r>
+          </a:p>
+        </p:txBody>
+      </p:sp>
+      <p:sp>
+        <p:nvSpPr>
+          <p:cNvPr id="3" name="Content Placeholder 2">
+            <a:extLst>
+              <a:ext uri="{FF2B5EF4-FFF2-40B4-BE49-F238E27FC236}">
+                <a16:creationId xmlns:a16="http://schemas.microsoft.com/office/drawing/2014/main" id="{7E6ED054-8C4D-45CB-8052-F2347E0100E6}"/>
+              </a:ext>
+            </a:extLst>
+          </p:cNvPr>
+          <p:cNvSpPr>
+            <a:spLocks noGrp="1"/>
+          </p:cNvSpPr>
+          <p:nvPr>
+            <p:ph idx="1"/>
+          </p:nvPr>
+        </p:nvSpPr>
+        <p:spPr/>
+        <p:txBody>
+          <a:bodyPr/>
+          <a:lstStyle/>
+          <a:p>
+            <a:r>
+              <a:rPr lang="en-US" dirty="0"/>
+              <a:t>You will almost always find the starter code for the lecture on GitHub several hours (if not the day before) the lecture.  </a:t>
+            </a:r>
+          </a:p>
+          <a:p>
+            <a:pPr lvl="1"/>
+            <a:r>
+              <a:rPr lang="en-US" u="sng" dirty="0"/>
+              <a:t>I encourage you to download the code so you can more easily follow along.</a:t>
+            </a:r>
+          </a:p>
+          <a:p>
+            <a:r>
+              <a:rPr lang="en-US" dirty="0"/>
+              <a:t>I almost always post my final lecture code on GitHub immediately after class (unless I get distracted)</a:t>
+            </a:r>
+          </a:p>
+          <a:p>
+            <a:r>
+              <a:rPr lang="en-US" dirty="0"/>
+              <a:t>For those wanting to get a head start on </a:t>
+            </a:r>
+            <a:r>
+              <a:rPr lang="en-US" dirty="0" err="1"/>
+              <a:t>homeworks</a:t>
+            </a:r>
+            <a:r>
+              <a:rPr lang="en-US" dirty="0"/>
+              <a:t> and labs, I almost always post HW and lab descriptions a few days before I introduce them in class.</a:t>
+            </a:r>
+          </a:p>
+          <a:p>
+            <a:pPr lvl="1"/>
+            <a:r>
+              <a:rPr lang="en-US" dirty="0">
+                <a:solidFill>
+                  <a:srgbClr val="FF0000"/>
+                </a:solidFill>
+              </a:rPr>
+              <a:t>Note that I reserve the right to significantly change things until they are actually assigned.!</a:t>
+            </a:r>
+          </a:p>
+        </p:txBody>
+      </p:sp>
+    </p:spTree>
+    <p:extLst>
+      <p:ext uri="{BB962C8B-B14F-4D97-AF65-F5344CB8AC3E}">
+        <p14:creationId xmlns:p14="http://schemas.microsoft.com/office/powerpoint/2010/main" val="479304383"/>
+      </p:ext>
+    </p:extLst>
+  </p:cSld>
+  <p:clrMapOvr>
+    <a:masterClrMapping/>
+  </p:clrMapOvr>
+  <p:timing>
+    <p:tnLst>
+      <p:par>
+        <p:cTn id="1" dur="indefinite" restart="never" nodeType="tmRoot">
+          <p:childTnLst>
+            <p:seq concurrent="1" nextAc="seek">
+              <p:cTn id="2" dur="indefinite" nodeType="mainSeq">
+                <p:childTnLst>
+                  <p:par>
+                    <p:cTn id="3" fill="hold">
+                      <p:stCondLst>
+                        <p:cond delay="indefinite"/>
+                      </p:stCondLst>
+                      <p:childTnLst>
+                        <p:par>
+                          <p:cTn id="4" fill="hold">
+                            <p:stCondLst>
+                              <p:cond delay="0"/>
+                            </p:stCondLst>
+                            <p:childTnLst>
+                              <p:par>
+                                <p:cTn id="5" presetID="10" presetClass="entr" presetSubtype="0" fill="hold" grpId="0" nodeType="clickEffect">
+                                  <p:stCondLst>
+                                    <p:cond delay="0"/>
+                                  </p:stCondLst>
+                                  <p:childTnLst>
+                                    <p:set>
+                                      <p:cBhvr>
+                                        <p:cTn id="6" dur="1" fill="hold">
+                                          <p:stCondLst>
+                                            <p:cond delay="0"/>
+                                          </p:stCondLst>
+                                        </p:cTn>
+                                        <p:tgtEl>
+                                          <p:spTgt spid="3">
+                                            <p:txEl>
+                                              <p:pRg st="0" end="0"/>
+                                            </p:txEl>
+                                          </p:spTgt>
+                                        </p:tgtEl>
+                                        <p:attrNameLst>
+                                          <p:attrName>style.visibility</p:attrName>
+                                        </p:attrNameLst>
+                                      </p:cBhvr>
+                                      <p:to>
+                                        <p:strVal val="visible"/>
+                                      </p:to>
+                                    </p:set>
+                                    <p:animEffect transition="in" filter="fade">
+                                      <p:cBhvr>
+                                        <p:cTn id="7" dur="500"/>
+                                        <p:tgtEl>
+                                          <p:spTgt spid="3">
+                                            <p:txEl>
+                                              <p:pRg st="0" end="0"/>
+                                            </p:txEl>
+                                          </p:spTgt>
+                                        </p:tgtEl>
+                                      </p:cBhvr>
+                                    </p:animEffect>
+                                  </p:childTnLst>
+                                </p:cTn>
+                              </p:par>
+                            </p:childTnLst>
+                          </p:cTn>
+                        </p:par>
+                      </p:childTnLst>
+                    </p:cTn>
+                  </p:par>
+                  <p:par>
+                    <p:cTn id="8" fill="hold">
+                      <p:stCondLst>
+                        <p:cond delay="indefinite"/>
+                      </p:stCondLst>
+                      <p:childTnLst>
+                        <p:par>
+                          <p:cTn id="9" fill="hold">
+                            <p:stCondLst>
+                              <p:cond delay="0"/>
+                            </p:stCondLst>
+                            <p:childTnLst>
+                              <p:par>
+                                <p:cTn id="10" presetID="10" presetClass="entr" presetSubtype="0" fill="hold" grpId="0" nodeType="clickEffect">
+                                  <p:stCondLst>
+                                    <p:cond delay="0"/>
+                                  </p:stCondLst>
+                                  <p:childTnLst>
+                                    <p:set>
+                                      <p:cBhvr>
+                                        <p:cTn id="11" dur="1" fill="hold">
+                                          <p:stCondLst>
+                                            <p:cond delay="0"/>
+                                          </p:stCondLst>
+                                        </p:cTn>
+                                        <p:tgtEl>
+                                          <p:spTgt spid="3">
+                                            <p:txEl>
+                                              <p:pRg st="1" end="1"/>
+                                            </p:txEl>
+                                          </p:spTgt>
+                                        </p:tgtEl>
+                                        <p:attrNameLst>
+                                          <p:attrName>style.visibility</p:attrName>
+                                        </p:attrNameLst>
+                                      </p:cBhvr>
+                                      <p:to>
+                                        <p:strVal val="visible"/>
+                                      </p:to>
+                                    </p:set>
+                                    <p:animEffect transition="in" filter="fade">
+                                      <p:cBhvr>
+                                        <p:cTn id="12" dur="500"/>
+                                        <p:tgtEl>
+                                          <p:spTgt spid="3">
+                                            <p:txEl>
+                                              <p:pRg st="1" end="1"/>
+                                            </p:txEl>
+                                          </p:spTgt>
+                                        </p:tgtEl>
+                                      </p:cBhvr>
+                                    </p:animEffect>
+                                  </p:childTnLst>
+                                </p:cTn>
+                              </p:par>
+                            </p:childTnLst>
+                          </p:cTn>
+                        </p:par>
+                      </p:childTnLst>
+                    </p:cTn>
+                  </p:par>
+                  <p:par>
+                    <p:cTn id="13" fill="hold">
+                      <p:stCondLst>
+                        <p:cond delay="indefinite"/>
+                      </p:stCondLst>
+                      <p:childTnLst>
+                        <p:par>
+                          <p:cTn id="14" fill="hold">
+                            <p:stCondLst>
+                              <p:cond delay="0"/>
+                            </p:stCondLst>
+                            <p:childTnLst>
+                              <p:par>
+                                <p:cTn id="15" presetID="10" presetClass="entr" presetSubtype="0" fill="hold" grpId="0" nodeType="clickEffect">
+                                  <p:stCondLst>
+                                    <p:cond delay="0"/>
+                                  </p:stCondLst>
+                                  <p:childTnLst>
+                                    <p:set>
+                                      <p:cBhvr>
+                                        <p:cTn id="16" dur="1" fill="hold">
+                                          <p:stCondLst>
+                                            <p:cond delay="0"/>
+                                          </p:stCondLst>
+                                        </p:cTn>
+                                        <p:tgtEl>
+                                          <p:spTgt spid="3">
+                                            <p:txEl>
+                                              <p:pRg st="2" end="2"/>
+                                            </p:txEl>
+                                          </p:spTgt>
+                                        </p:tgtEl>
+                                        <p:attrNameLst>
+                                          <p:attrName>style.visibility</p:attrName>
+                                        </p:attrNameLst>
+                                      </p:cBhvr>
+                                      <p:to>
+                                        <p:strVal val="visible"/>
+                                      </p:to>
+                                    </p:set>
+                                    <p:animEffect transition="in" filter="fade">
+                                      <p:cBhvr>
+                                        <p:cTn id="17" dur="500"/>
+                                        <p:tgtEl>
+                                          <p:spTgt spid="3">
+                                            <p:txEl>
+                                              <p:pRg st="2" end="2"/>
+                                            </p:txEl>
+                                          </p:spTgt>
+                                        </p:tgtEl>
+                                      </p:cBhvr>
+                                    </p:animEffect>
+                                  </p:childTnLst>
+                                </p:cTn>
+                              </p:par>
+                            </p:childTnLst>
+                          </p:cTn>
+                        </p:par>
+                      </p:childTnLst>
+                    </p:cTn>
+                  </p:par>
+                  <p:par>
+                    <p:cTn id="18" fill="hold">
+                      <p:stCondLst>
+                        <p:cond delay="indefinite"/>
+                      </p:stCondLst>
+                      <p:childTnLst>
+                        <p:par>
+                          <p:cTn id="19" fill="hold">
+                            <p:stCondLst>
+                              <p:cond delay="0"/>
+                            </p:stCondLst>
+                            <p:childTnLst>
+                              <p:par>
+                                <p:cTn id="20" presetID="10" presetClass="entr" presetSubtype="0" fill="hold" grpId="0" nodeType="clickEffect">
+                                  <p:stCondLst>
+                                    <p:cond delay="0"/>
+                                  </p:stCondLst>
+                                  <p:childTnLst>
+                                    <p:set>
+                                      <p:cBhvr>
+                                        <p:cTn id="21" dur="1" fill="hold">
+                                          <p:stCondLst>
+                                            <p:cond delay="0"/>
+                                          </p:stCondLst>
+                                        </p:cTn>
+                                        <p:tgtEl>
+                                          <p:spTgt spid="3">
+                                            <p:txEl>
+                                              <p:pRg st="3" end="3"/>
+                                            </p:txEl>
+                                          </p:spTgt>
+                                        </p:tgtEl>
+                                        <p:attrNameLst>
+                                          <p:attrName>style.visibility</p:attrName>
+                                        </p:attrNameLst>
+                                      </p:cBhvr>
+                                      <p:to>
+                                        <p:strVal val="visible"/>
+                                      </p:to>
+                                    </p:set>
+                                    <p:animEffect transition="in" filter="fade">
+                                      <p:cBhvr>
+                                        <p:cTn id="22" dur="500"/>
+                                        <p:tgtEl>
+                                          <p:spTgt spid="3">
+                                            <p:txEl>
+                                              <p:pRg st="3" end="3"/>
+                                            </p:txEl>
+                                          </p:spTgt>
+                                        </p:tgtEl>
+                                      </p:cBhvr>
+                                    </p:animEffect>
+                                  </p:childTnLst>
+                                </p:cTn>
+                              </p:par>
+                            </p:childTnLst>
+                          </p:cTn>
+                        </p:par>
+                      </p:childTnLst>
+                    </p:cTn>
+                  </p:par>
+                  <p:par>
+                    <p:cTn id="23" fill="hold">
+                      <p:stCondLst>
+                        <p:cond delay="indefinite"/>
+                      </p:stCondLst>
+                      <p:childTnLst>
+                        <p:par>
+                          <p:cTn id="24" fill="hold">
+                            <p:stCondLst>
+                              <p:cond delay="0"/>
+                            </p:stCondLst>
+                            <p:childTnLst>
+                              <p:par>
+                                <p:cTn id="25" presetID="10" presetClass="entr" presetSubtype="0" fill="hold" grpId="0" nodeType="clickEffect">
+                                  <p:stCondLst>
+                                    <p:cond delay="0"/>
+                                  </p:stCondLst>
+                                  <p:childTnLst>
+                                    <p:set>
+                                      <p:cBhvr>
+                                        <p:cTn id="26" dur="1" fill="hold">
+                                          <p:stCondLst>
+                                            <p:cond delay="0"/>
+                                          </p:stCondLst>
+                                        </p:cTn>
+                                        <p:tgtEl>
+                                          <p:spTgt spid="3">
+                                            <p:txEl>
+                                              <p:pRg st="4" end="4"/>
+                                            </p:txEl>
+                                          </p:spTgt>
+                                        </p:tgtEl>
+                                        <p:attrNameLst>
+                                          <p:attrName>style.visibility</p:attrName>
+                                        </p:attrNameLst>
+                                      </p:cBhvr>
+                                      <p:to>
+                                        <p:strVal val="visible"/>
+                                      </p:to>
+                                    </p:set>
+                                    <p:animEffect transition="in" filter="fade">
+                                      <p:cBhvr>
+                                        <p:cTn id="27" dur="500"/>
+                                        <p:tgtEl>
+                                          <p:spTgt spid="3">
+                                            <p:txEl>
+                                              <p:pRg st="4" end="4"/>
+                                            </p:txEl>
+                                          </p:spTgt>
+                                        </p:tgtEl>
+                                      </p:cBhvr>
+                                    </p:animEffect>
+                                  </p:childTnLst>
+                                </p:cTn>
+                              </p:par>
+                            </p:childTnLst>
+                          </p:cTn>
+                        </p:par>
+                      </p:childTnLst>
+                    </p:cTn>
+                  </p:par>
+                </p:childTnLst>
+              </p:cTn>
+              <p:prevCondLst>
+                <p:cond evt="onPrev" delay="0">
+                  <p:tgtEl>
+                    <p:sldTgt/>
+                  </p:tgtEl>
+                </p:cond>
+              </p:prevCondLst>
+              <p:nextCondLst>
+                <p:cond evt="onNext" delay="0">
+                  <p:tgtEl>
+                    <p:sldTgt/>
+                  </p:tgtEl>
+                </p:cond>
+              </p:nextCondLst>
+            </p:seq>
+          </p:childTnLst>
+        </p:cTn>
+      </p:par>
+    </p:tnLst>
+    <p:bldLst>
+      <p:bldP spid="3" grpId="0" uiExpand="1" build="p"/>
+    </p:bldLst>
+  </p:timing>
+</p:sld>
+</file>
+
+<file path=ppt/slides/slide15.xml><?xml version="1.0" encoding="utf-8"?>
+<p:sld xmlns:a="http://schemas.openxmlformats.org/drawingml/2006/main" xmlns:r="http://schemas.openxmlformats.org/officeDocument/2006/relationships" xmlns:p="http://schemas.openxmlformats.org/presentationml/2006/main">
+  <p:cSld>
+    <p:spTree>
+      <p:nvGrpSpPr>
+        <p:cNvPr id="1" name=""/>
+        <p:cNvGrpSpPr/>
+        <p:nvPr/>
+      </p:nvGrpSpPr>
+      <p:grpSpPr>
+        <a:xfrm>
+          <a:off x="0" y="0"/>
+          <a:ext cx="0" cy="0"/>
+          <a:chOff x="0" y="0"/>
+          <a:chExt cx="0" cy="0"/>
+        </a:xfrm>
+      </p:grpSpPr>
+      <p:sp>
+        <p:nvSpPr>
+          <p:cNvPr id="2" name="Title 1">
+            <a:extLst>
+              <a:ext uri="{FF2B5EF4-FFF2-40B4-BE49-F238E27FC236}">
                 <a16:creationId xmlns:a16="http://schemas.microsoft.com/office/drawing/2014/main" id="{71C4A54F-18FC-4DDC-B7B9-504025F72DB5}"/>
               </a:ext>
             </a:extLst>
@@ -5818,13 +6902,7 @@
           <a:p>
             <a:r>
               <a:rPr lang="en-US" dirty="0"/>
-              <a:t>I encourage you to use an IDE when working on your solutions.  In class, I will be using the Clang C++ compiler.  It is much more cross platform than G++.  Therefore feel free to use any IDE that supports Clang (All lab computer should have this installed).  </a:t>
-            </a:r>
-          </a:p>
-          <a:p>
-            <a:r>
-              <a:rPr lang="en-US" dirty="0"/>
-              <a:t>My preference for IDEs are:</a:t>
+              <a:t>I encourage you to use an IDE when working on your solutions. My preference for IDEs are:</a:t>
             </a:r>
           </a:p>
           <a:p>
@@ -5837,18 +6915,14 @@
             </a:r>
             <a:r>
               <a:rPr lang="en-US" dirty="0"/>
-              <a:t>with Clang support (requires extra plugin)</a:t>
+              <a:t>(community edition is free for everyone; enterprise is free for HSU CS Majors!)</a:t>
             </a:r>
           </a:p>
           <a:p>
             <a:pPr lvl="1"/>
             <a:r>
-              <a:rPr lang="en-US" dirty="0" err="1"/>
-              <a:t>JetBrains</a:t>
-            </a:r>
-            <a:r>
               <a:rPr lang="en-US" dirty="0"/>
-              <a:t> </a:t>
+              <a:t>JetBrains </a:t>
             </a:r>
             <a:r>
               <a:rPr lang="en-US" dirty="0" err="1"/>
@@ -5864,7 +6938,7 @@
             </a:r>
             <a:r>
               <a:rPr lang="en-US" dirty="0"/>
-              <a:t> 8.1</a:t>
+              <a:t> 8.1 (Be sure you're in C++ 11 or C++ 14 mode!)</a:t>
             </a:r>
           </a:p>
           <a:p>
@@ -5873,6 +6947,19 @@
               <a:rPr lang="en-US" dirty="0" err="1"/>
               <a:t>CodeBlocks</a:t>
             </a:r>
+            <a:r>
+              <a:rPr lang="en-US" dirty="0"/>
+              <a:t> (Be sure you're in C++ 11 or C++ 14 mode!)</a:t>
+            </a:r>
+          </a:p>
+          <a:p>
+            <a:r>
+              <a:rPr lang="en-US" dirty="0"/>
+              <a:t>I prefer VS 2017 because it has the best and easiest to use debugging capabilities.</a:t>
+            </a:r>
+          </a:p>
+          <a:p>
+            <a:pPr lvl="1"/>
             <a:endParaRPr lang="en-US" dirty="0"/>
           </a:p>
         </p:txBody>
@@ -6011,15 +7098,33 @@
                                   </p:childTnLst>
                                 </p:cTn>
                               </p:par>
+                            </p:childTnLst>
+                          </p:cTn>
+                        </p:par>
+                      </p:childTnLst>
+                    </p:cTn>
+                  </p:par>
+                  <p:par>
+                    <p:cTn id="13" fill="hold">
+                      <p:stCondLst>
+                        <p:cond delay="indefinite"/>
+                      </p:stCondLst>
+                      <p:childTnLst>
+                        <p:par>
+                          <p:cTn id="14" fill="hold">
+                            <p:stCondLst>
+                              <p:cond delay="0"/>
+                            </p:stCondLst>
+                            <p:childTnLst>
                               <p:par>
-                                <p:cTn id="13" presetID="10" presetClass="entr" presetSubtype="0" fill="hold" grpId="0" nodeType="withEffect">
+                                <p:cTn id="15" presetID="10" presetClass="entr" presetSubtype="0" fill="hold" grpId="0" nodeType="clickEffect">
                                   <p:stCondLst>
                                     <p:cond delay="0"/>
                                   </p:stCondLst>
                                   <p:childTnLst>
                                     <p:set>
                                       <p:cBhvr>
-                                        <p:cTn id="14" dur="1" fill="hold">
+                                        <p:cTn id="16" dur="1" fill="hold">
                                           <p:stCondLst>
                                             <p:cond delay="0"/>
                                           </p:stCondLst>
@@ -6041,7 +7146,7 @@
                                     </p:set>
                                     <p:animEffect transition="in" filter="fade">
                                       <p:cBhvr>
-                                        <p:cTn id="15" dur="500"/>
+                                        <p:cTn id="17" dur="500"/>
                                         <p:tgtEl>
                                           <p:spTgt spid="3">
                                             <p:txEl>
@@ -6054,15 +7159,33 @@
                                   </p:childTnLst>
                                 </p:cTn>
                               </p:par>
+                            </p:childTnLst>
+                          </p:cTn>
+                        </p:par>
+                      </p:childTnLst>
+                    </p:cTn>
+                  </p:par>
+                  <p:par>
+                    <p:cTn id="18" fill="hold">
+                      <p:stCondLst>
+                        <p:cond delay="indefinite"/>
+                      </p:stCondLst>
+                      <p:childTnLst>
+                        <p:par>
+                          <p:cTn id="19" fill="hold">
+                            <p:stCondLst>
+                              <p:cond delay="0"/>
+                            </p:stCondLst>
+                            <p:childTnLst>
                               <p:par>
-                                <p:cTn id="16" presetID="10" presetClass="entr" presetSubtype="0" fill="hold" grpId="0" nodeType="withEffect">
+                                <p:cTn id="20" presetID="10" presetClass="entr" presetSubtype="0" fill="hold" grpId="0" nodeType="clickEffect">
                                   <p:stCondLst>
                                     <p:cond delay="0"/>
                                   </p:stCondLst>
                                   <p:childTnLst>
                                     <p:set>
                                       <p:cBhvr>
-                                        <p:cTn id="17" dur="1" fill="hold">
+                                        <p:cTn id="21" dur="1" fill="hold">
                                           <p:stCondLst>
                                             <p:cond delay="0"/>
                                           </p:stCondLst>
@@ -6084,7 +7207,7 @@
                                     </p:set>
                                     <p:animEffect transition="in" filter="fade">
                                       <p:cBhvr>
-                                        <p:cTn id="18" dur="500"/>
+                                        <p:cTn id="22" dur="500"/>
                                         <p:tgtEl>
                                           <p:spTgt spid="3">
                                             <p:txEl>
@@ -6097,15 +7220,33 @@
                                   </p:childTnLst>
                                 </p:cTn>
                               </p:par>
+                            </p:childTnLst>
+                          </p:cTn>
+                        </p:par>
+                      </p:childTnLst>
+                    </p:cTn>
+                  </p:par>
+                  <p:par>
+                    <p:cTn id="23" fill="hold">
+                      <p:stCondLst>
+                        <p:cond delay="indefinite"/>
+                      </p:stCondLst>
+                      <p:childTnLst>
+                        <p:par>
+                          <p:cTn id="24" fill="hold">
+                            <p:stCondLst>
+                              <p:cond delay="0"/>
+                            </p:stCondLst>
+                            <p:childTnLst>
                               <p:par>
-                                <p:cTn id="19" presetID="10" presetClass="entr" presetSubtype="0" fill="hold" grpId="0" nodeType="withEffect">
+                                <p:cTn id="25" presetID="10" presetClass="entr" presetSubtype="0" fill="hold" grpId="0" nodeType="clickEffect">
                                   <p:stCondLst>
                                     <p:cond delay="0"/>
                                   </p:stCondLst>
                                   <p:childTnLst>
                                     <p:set>
                                       <p:cBhvr>
-                                        <p:cTn id="20" dur="1" fill="hold">
+                                        <p:cTn id="26" dur="1" fill="hold">
                                           <p:stCondLst>
                                             <p:cond delay="0"/>
                                           </p:stCondLst>
@@ -6127,7 +7268,7 @@
                                     </p:set>
                                     <p:animEffect transition="in" filter="fade">
                                       <p:cBhvr>
-                                        <p:cTn id="21" dur="500"/>
+                                        <p:cTn id="27" dur="500"/>
                                         <p:tgtEl>
                                           <p:spTgt spid="3">
                                             <p:txEl>
@@ -6140,15 +7281,33 @@
                                   </p:childTnLst>
                                 </p:cTn>
                               </p:par>
+                            </p:childTnLst>
+                          </p:cTn>
+                        </p:par>
+                      </p:childTnLst>
+                    </p:cTn>
+                  </p:par>
+                  <p:par>
+                    <p:cTn id="28" fill="hold">
+                      <p:stCondLst>
+                        <p:cond delay="indefinite"/>
+                      </p:stCondLst>
+                      <p:childTnLst>
+                        <p:par>
+                          <p:cTn id="29" fill="hold">
+                            <p:stCondLst>
+                              <p:cond delay="0"/>
+                            </p:stCondLst>
+                            <p:childTnLst>
                               <p:par>
-                                <p:cTn id="22" presetID="10" presetClass="entr" presetSubtype="0" fill="hold" grpId="0" nodeType="withEffect">
+                                <p:cTn id="30" presetID="10" presetClass="entr" presetSubtype="0" fill="hold" grpId="0" nodeType="clickEffect">
                                   <p:stCondLst>
                                     <p:cond delay="0"/>
                                   </p:stCondLst>
                                   <p:childTnLst>
                                     <p:set>
                                       <p:cBhvr>
-                                        <p:cTn id="23" dur="1" fill="hold">
+                                        <p:cTn id="31" dur="1" fill="hold">
                                           <p:stCondLst>
                                             <p:cond delay="0"/>
                                           </p:stCondLst>
@@ -6170,7 +7329,7 @@
                                     </p:set>
                                     <p:animEffect transition="in" filter="fade">
                                       <p:cBhvr>
-                                        <p:cTn id="24" dur="500"/>
+                                        <p:cTn id="32" dur="500"/>
                                         <p:tgtEl>
                                           <p:spTgt spid="3">
                                             <p:txEl>
@@ -6211,7 +7370,7 @@
       </p:par>
     </p:tnLst>
     <p:bldLst>
-      <p:bldP spid="3" grpId="0" build="p"/>
+      <p:bldP spid="3" grpId="0" uiExpand="1" build="p"/>
     </p:bldLst>
   </p:timing>
 </p:sld>
@@ -6273,7 +7432,43 @@
           <a:p>
             <a:r>
               <a:rPr lang="en-US" dirty="0"/>
-              <a:t>All homework must be submitted by the due date; NO LATE TURN-INS!</a:t>
+              <a:t>All homework must be submitted by the due date</a:t>
+            </a:r>
+          </a:p>
+          <a:p>
+            <a:r>
+              <a:rPr lang="en-US" dirty="0"/>
+              <a:t>No "late" turn-ins </a:t>
+            </a:r>
+          </a:p>
+          <a:p>
+            <a:r>
+              <a:rPr lang="en-US" dirty="0"/>
+              <a:t>"Late" is somewhat floating </a:t>
+            </a:r>
+          </a:p>
+          <a:p>
+            <a:r>
+              <a:rPr lang="en-US" dirty="0"/>
+              <a:t>"Late" means the time after whenever I pull your code from canvas</a:t>
+            </a:r>
+          </a:p>
+          <a:p>
+            <a:r>
+              <a:rPr lang="en-US" dirty="0"/>
+              <a:t>Thus, 12:01 AM is not considered late</a:t>
+            </a:r>
+          </a:p>
+          <a:p>
+            <a:r>
+              <a:rPr lang="en-US" dirty="0"/>
+              <a:t>I usually pull code mid morning after a due date (e.g. around 10AM), but sometimes I forget to pull the code until much later.  </a:t>
+            </a:r>
+          </a:p>
+          <a:p>
+            <a:r>
+              <a:rPr lang="en-US" dirty="0"/>
+              <a:t>Takeaway: Try to have the code in by the true deadline, but if it's a few hours late you're probably fine. </a:t>
             </a:r>
           </a:p>
           <a:p>
@@ -6294,6 +7489,466 @@
   <p:clrMapOvr>
     <a:masterClrMapping/>
   </p:clrMapOvr>
+  <p:timing>
+    <p:tnLst>
+      <p:par>
+        <p:cTn id="1" dur="indefinite" restart="never" nodeType="tmRoot">
+          <p:childTnLst>
+            <p:seq concurrent="1" nextAc="seek">
+              <p:cTn id="2" dur="indefinite" nodeType="mainSeq">
+                <p:childTnLst>
+                  <p:par>
+                    <p:cTn id="3" fill="hold">
+                      <p:stCondLst>
+                        <p:cond delay="indefinite"/>
+                      </p:stCondLst>
+                      <p:childTnLst>
+                        <p:par>
+                          <p:cTn id="4" fill="hold">
+                            <p:stCondLst>
+                              <p:cond delay="0"/>
+                            </p:stCondLst>
+                            <p:childTnLst>
+                              <p:par>
+                                <p:cTn id="5" presetID="10" presetClass="entr" presetSubtype="0" fill="hold" grpId="0" nodeType="clickEffect">
+                                  <p:stCondLst>
+                                    <p:cond delay="0"/>
+                                  </p:stCondLst>
+                                  <p:childTnLst>
+                                    <p:set>
+                                      <p:cBhvr>
+                                        <p:cTn id="6" dur="1" fill="hold">
+                                          <p:stCondLst>
+                                            <p:cond delay="0"/>
+                                          </p:stCondLst>
+                                        </p:cTn>
+                                        <p:tgtEl>
+                                          <p:spTgt spid="3">
+                                            <p:txEl>
+                                              <p:pRg st="0" end="0"/>
+                                            </p:txEl>
+                                          </p:spTgt>
+                                        </p:tgtEl>
+                                        <p:attrNameLst>
+                                          <p:attrName>style.visibility</p:attrName>
+                                        </p:attrNameLst>
+                                      </p:cBhvr>
+                                      <p:to>
+                                        <p:strVal val="visible"/>
+                                      </p:to>
+                                    </p:set>
+                                    <p:animEffect transition="in" filter="fade">
+                                      <p:cBhvr>
+                                        <p:cTn id="7" dur="500"/>
+                                        <p:tgtEl>
+                                          <p:spTgt spid="3">
+                                            <p:txEl>
+                                              <p:pRg st="0" end="0"/>
+                                            </p:txEl>
+                                          </p:spTgt>
+                                        </p:tgtEl>
+                                      </p:cBhvr>
+                                    </p:animEffect>
+                                  </p:childTnLst>
+                                </p:cTn>
+                              </p:par>
+                            </p:childTnLst>
+                          </p:cTn>
+                        </p:par>
+                      </p:childTnLst>
+                    </p:cTn>
+                  </p:par>
+                  <p:par>
+                    <p:cTn id="8" fill="hold">
+                      <p:stCondLst>
+                        <p:cond delay="indefinite"/>
+                      </p:stCondLst>
+                      <p:childTnLst>
+                        <p:par>
+                          <p:cTn id="9" fill="hold">
+                            <p:stCondLst>
+                              <p:cond delay="0"/>
+                            </p:stCondLst>
+                            <p:childTnLst>
+                              <p:par>
+                                <p:cTn id="10" presetID="10" presetClass="entr" presetSubtype="0" fill="hold" grpId="0" nodeType="clickEffect">
+                                  <p:stCondLst>
+                                    <p:cond delay="0"/>
+                                  </p:stCondLst>
+                                  <p:childTnLst>
+                                    <p:set>
+                                      <p:cBhvr>
+                                        <p:cTn id="11" dur="1" fill="hold">
+                                          <p:stCondLst>
+                                            <p:cond delay="0"/>
+                                          </p:stCondLst>
+                                        </p:cTn>
+                                        <p:tgtEl>
+                                          <p:spTgt spid="3">
+                                            <p:txEl>
+                                              <p:pRg st="1" end="1"/>
+                                            </p:txEl>
+                                          </p:spTgt>
+                                        </p:tgtEl>
+                                        <p:attrNameLst>
+                                          <p:attrName>style.visibility</p:attrName>
+                                        </p:attrNameLst>
+                                      </p:cBhvr>
+                                      <p:to>
+                                        <p:strVal val="visible"/>
+                                      </p:to>
+                                    </p:set>
+                                    <p:animEffect transition="in" filter="fade">
+                                      <p:cBhvr>
+                                        <p:cTn id="12" dur="500"/>
+                                        <p:tgtEl>
+                                          <p:spTgt spid="3">
+                                            <p:txEl>
+                                              <p:pRg st="1" end="1"/>
+                                            </p:txEl>
+                                          </p:spTgt>
+                                        </p:tgtEl>
+                                      </p:cBhvr>
+                                    </p:animEffect>
+                                  </p:childTnLst>
+                                </p:cTn>
+                              </p:par>
+                            </p:childTnLst>
+                          </p:cTn>
+                        </p:par>
+                      </p:childTnLst>
+                    </p:cTn>
+                  </p:par>
+                  <p:par>
+                    <p:cTn id="13" fill="hold">
+                      <p:stCondLst>
+                        <p:cond delay="indefinite"/>
+                      </p:stCondLst>
+                      <p:childTnLst>
+                        <p:par>
+                          <p:cTn id="14" fill="hold">
+                            <p:stCondLst>
+                              <p:cond delay="0"/>
+                            </p:stCondLst>
+                            <p:childTnLst>
+                              <p:par>
+                                <p:cTn id="15" presetID="10" presetClass="entr" presetSubtype="0" fill="hold" grpId="0" nodeType="clickEffect">
+                                  <p:stCondLst>
+                                    <p:cond delay="0"/>
+                                  </p:stCondLst>
+                                  <p:childTnLst>
+                                    <p:set>
+                                      <p:cBhvr>
+                                        <p:cTn id="16" dur="1" fill="hold">
+                                          <p:stCondLst>
+                                            <p:cond delay="0"/>
+                                          </p:stCondLst>
+                                        </p:cTn>
+                                        <p:tgtEl>
+                                          <p:spTgt spid="3">
+                                            <p:txEl>
+                                              <p:pRg st="2" end="2"/>
+                                            </p:txEl>
+                                          </p:spTgt>
+                                        </p:tgtEl>
+                                        <p:attrNameLst>
+                                          <p:attrName>style.visibility</p:attrName>
+                                        </p:attrNameLst>
+                                      </p:cBhvr>
+                                      <p:to>
+                                        <p:strVal val="visible"/>
+                                      </p:to>
+                                    </p:set>
+                                    <p:animEffect transition="in" filter="fade">
+                                      <p:cBhvr>
+                                        <p:cTn id="17" dur="500"/>
+                                        <p:tgtEl>
+                                          <p:spTgt spid="3">
+                                            <p:txEl>
+                                              <p:pRg st="2" end="2"/>
+                                            </p:txEl>
+                                          </p:spTgt>
+                                        </p:tgtEl>
+                                      </p:cBhvr>
+                                    </p:animEffect>
+                                  </p:childTnLst>
+                                </p:cTn>
+                              </p:par>
+                            </p:childTnLst>
+                          </p:cTn>
+                        </p:par>
+                      </p:childTnLst>
+                    </p:cTn>
+                  </p:par>
+                  <p:par>
+                    <p:cTn id="18" fill="hold">
+                      <p:stCondLst>
+                        <p:cond delay="indefinite"/>
+                      </p:stCondLst>
+                      <p:childTnLst>
+                        <p:par>
+                          <p:cTn id="19" fill="hold">
+                            <p:stCondLst>
+                              <p:cond delay="0"/>
+                            </p:stCondLst>
+                            <p:childTnLst>
+                              <p:par>
+                                <p:cTn id="20" presetID="10" presetClass="entr" presetSubtype="0" fill="hold" grpId="0" nodeType="clickEffect">
+                                  <p:stCondLst>
+                                    <p:cond delay="0"/>
+                                  </p:stCondLst>
+                                  <p:childTnLst>
+                                    <p:set>
+                                      <p:cBhvr>
+                                        <p:cTn id="21" dur="1" fill="hold">
+                                          <p:stCondLst>
+                                            <p:cond delay="0"/>
+                                          </p:stCondLst>
+                                        </p:cTn>
+                                        <p:tgtEl>
+                                          <p:spTgt spid="3">
+                                            <p:txEl>
+                                              <p:pRg st="3" end="3"/>
+                                            </p:txEl>
+                                          </p:spTgt>
+                                        </p:tgtEl>
+                                        <p:attrNameLst>
+                                          <p:attrName>style.visibility</p:attrName>
+                                        </p:attrNameLst>
+                                      </p:cBhvr>
+                                      <p:to>
+                                        <p:strVal val="visible"/>
+                                      </p:to>
+                                    </p:set>
+                                    <p:animEffect transition="in" filter="fade">
+                                      <p:cBhvr>
+                                        <p:cTn id="22" dur="500"/>
+                                        <p:tgtEl>
+                                          <p:spTgt spid="3">
+                                            <p:txEl>
+                                              <p:pRg st="3" end="3"/>
+                                            </p:txEl>
+                                          </p:spTgt>
+                                        </p:tgtEl>
+                                      </p:cBhvr>
+                                    </p:animEffect>
+                                  </p:childTnLst>
+                                </p:cTn>
+                              </p:par>
+                            </p:childTnLst>
+                          </p:cTn>
+                        </p:par>
+                      </p:childTnLst>
+                    </p:cTn>
+                  </p:par>
+                  <p:par>
+                    <p:cTn id="23" fill="hold">
+                      <p:stCondLst>
+                        <p:cond delay="indefinite"/>
+                      </p:stCondLst>
+                      <p:childTnLst>
+                        <p:par>
+                          <p:cTn id="24" fill="hold">
+                            <p:stCondLst>
+                              <p:cond delay="0"/>
+                            </p:stCondLst>
+                            <p:childTnLst>
+                              <p:par>
+                                <p:cTn id="25" presetID="10" presetClass="entr" presetSubtype="0" fill="hold" grpId="0" nodeType="clickEffect">
+                                  <p:stCondLst>
+                                    <p:cond delay="0"/>
+                                  </p:stCondLst>
+                                  <p:childTnLst>
+                                    <p:set>
+                                      <p:cBhvr>
+                                        <p:cTn id="26" dur="1" fill="hold">
+                                          <p:stCondLst>
+                                            <p:cond delay="0"/>
+                                          </p:stCondLst>
+                                        </p:cTn>
+                                        <p:tgtEl>
+                                          <p:spTgt spid="3">
+                                            <p:txEl>
+                                              <p:pRg st="4" end="4"/>
+                                            </p:txEl>
+                                          </p:spTgt>
+                                        </p:tgtEl>
+                                        <p:attrNameLst>
+                                          <p:attrName>style.visibility</p:attrName>
+                                        </p:attrNameLst>
+                                      </p:cBhvr>
+                                      <p:to>
+                                        <p:strVal val="visible"/>
+                                      </p:to>
+                                    </p:set>
+                                    <p:animEffect transition="in" filter="fade">
+                                      <p:cBhvr>
+                                        <p:cTn id="27" dur="500"/>
+                                        <p:tgtEl>
+                                          <p:spTgt spid="3">
+                                            <p:txEl>
+                                              <p:pRg st="4" end="4"/>
+                                            </p:txEl>
+                                          </p:spTgt>
+                                        </p:tgtEl>
+                                      </p:cBhvr>
+                                    </p:animEffect>
+                                  </p:childTnLst>
+                                </p:cTn>
+                              </p:par>
+                            </p:childTnLst>
+                          </p:cTn>
+                        </p:par>
+                      </p:childTnLst>
+                    </p:cTn>
+                  </p:par>
+                  <p:par>
+                    <p:cTn id="28" fill="hold">
+                      <p:stCondLst>
+                        <p:cond delay="indefinite"/>
+                      </p:stCondLst>
+                      <p:childTnLst>
+                        <p:par>
+                          <p:cTn id="29" fill="hold">
+                            <p:stCondLst>
+                              <p:cond delay="0"/>
+                            </p:stCondLst>
+                            <p:childTnLst>
+                              <p:par>
+                                <p:cTn id="30" presetID="10" presetClass="entr" presetSubtype="0" fill="hold" grpId="0" nodeType="clickEffect">
+                                  <p:stCondLst>
+                                    <p:cond delay="0"/>
+                                  </p:stCondLst>
+                                  <p:childTnLst>
+                                    <p:set>
+                                      <p:cBhvr>
+                                        <p:cTn id="31" dur="1" fill="hold">
+                                          <p:stCondLst>
+                                            <p:cond delay="0"/>
+                                          </p:stCondLst>
+                                        </p:cTn>
+                                        <p:tgtEl>
+                                          <p:spTgt spid="3">
+                                            <p:txEl>
+                                              <p:pRg st="5" end="5"/>
+                                            </p:txEl>
+                                          </p:spTgt>
+                                        </p:tgtEl>
+                                        <p:attrNameLst>
+                                          <p:attrName>style.visibility</p:attrName>
+                                        </p:attrNameLst>
+                                      </p:cBhvr>
+                                      <p:to>
+                                        <p:strVal val="visible"/>
+                                      </p:to>
+                                    </p:set>
+                                    <p:animEffect transition="in" filter="fade">
+                                      <p:cBhvr>
+                                        <p:cTn id="32" dur="500"/>
+                                        <p:tgtEl>
+                                          <p:spTgt spid="3">
+                                            <p:txEl>
+                                              <p:pRg st="5" end="5"/>
+                                            </p:txEl>
+                                          </p:spTgt>
+                                        </p:tgtEl>
+                                      </p:cBhvr>
+                                    </p:animEffect>
+                                  </p:childTnLst>
+                                </p:cTn>
+                              </p:par>
+                            </p:childTnLst>
+                          </p:cTn>
+                        </p:par>
+                      </p:childTnLst>
+                    </p:cTn>
+                  </p:par>
+                  <p:par>
+                    <p:cTn id="33" fill="hold">
+                      <p:stCondLst>
+                        <p:cond delay="indefinite"/>
+                      </p:stCondLst>
+                      <p:childTnLst>
+                        <p:par>
+                          <p:cTn id="34" fill="hold">
+                            <p:stCondLst>
+                              <p:cond delay="0"/>
+                            </p:stCondLst>
+                            <p:childTnLst>
+                              <p:par>
+                                <p:cTn id="35" presetID="10" presetClass="entr" presetSubtype="0" fill="hold" grpId="0" nodeType="clickEffect">
+                                  <p:stCondLst>
+                                    <p:cond delay="0"/>
+                                  </p:stCondLst>
+                                  <p:childTnLst>
+                                    <p:set>
+                                      <p:cBhvr>
+                                        <p:cTn id="36" dur="1" fill="hold">
+                                          <p:stCondLst>
+                                            <p:cond delay="0"/>
+                                          </p:stCondLst>
+                                        </p:cTn>
+                                        <p:tgtEl>
+                                          <p:spTgt spid="3">
+                                            <p:txEl>
+                                              <p:pRg st="6" end="6"/>
+                                            </p:txEl>
+                                          </p:spTgt>
+                                        </p:tgtEl>
+                                        <p:attrNameLst>
+                                          <p:attrName>style.visibility</p:attrName>
+                                        </p:attrNameLst>
+                                      </p:cBhvr>
+                                      <p:to>
+                                        <p:strVal val="visible"/>
+                                      </p:to>
+                                    </p:set>
+                                    <p:animEffect transition="in" filter="fade">
+                                      <p:cBhvr>
+                                        <p:cTn id="37" dur="500"/>
+                                        <p:tgtEl>
+                                          <p:spTgt spid="3">
+                                            <p:txEl>
+                                              <p:pRg st="6" end="6"/>
+                                            </p:txEl>
+                                          </p:spTgt>
+                                        </p:tgtEl>
+                                      </p:cBhvr>
+                                    </p:animEffect>
+                                  </p:childTnLst>
+                                </p:cTn>
+                              </p:par>
+                            </p:childTnLst>
+                          </p:cTn>
+                        </p:par>
+                      </p:childTnLst>
+                    </p:cTn>
+                  </p:par>
+                </p:childTnLst>
+              </p:cTn>
+              <p:prevCondLst>
+                <p:cond evt="onPrev" delay="0">
+                  <p:tgtEl>
+                    <p:sldTgt/>
+                  </p:tgtEl>
+                </p:cond>
+              </p:prevCondLst>
+              <p:nextCondLst>
+                <p:cond evt="onNext" delay="0">
+                  <p:tgtEl>
+                    <p:sldTgt/>
+                  </p:tgtEl>
+                </p:cond>
+              </p:nextCondLst>
+            </p:seq>
+          </p:childTnLst>
+        </p:cTn>
+      </p:par>
+    </p:tnLst>
+    <p:bldLst>
+      <p:bldP spid="3" grpId="0" build="p"/>
+    </p:bldLst>
+  </p:timing>
 </p:sld>
 </file>
 
